--- a/[20150608][Edu]Android_Thread/20150611.pptx
+++ b/[20150608][Edu]Android_Thread/20150611.pptx
@@ -11,6 +11,12 @@
     <p:sldId id="259" r:id="rId5"/>
     <p:sldId id="260" r:id="rId6"/>
     <p:sldId id="261" r:id="rId7"/>
+    <p:sldId id="262" r:id="rId8"/>
+    <p:sldId id="263" r:id="rId9"/>
+    <p:sldId id="264" r:id="rId10"/>
+    <p:sldId id="265" r:id="rId11"/>
+    <p:sldId id="266" r:id="rId12"/>
+    <p:sldId id="267" r:id="rId13"/>
   </p:sldIdLst>
   <p:sldSz cx="12192000" cy="6858000"/>
   <p:notesSz cx="6858000" cy="9144000"/>
@@ -109,6 +115,11 @@
       </a:defRPr>
     </a:lvl9pPr>
   </p:defaultTextStyle>
+  <p:extLst>
+    <p:ext uri="{EFAFB233-063F-42B5-8137-9DF3F51BA10A}">
+      <p15:sldGuideLst xmlns:p15="http://schemas.microsoft.com/office/powerpoint/2012/main"/>
+    </p:ext>
+  </p:extLst>
 </p:presentation>
 </file>
 
@@ -3419,6 +3430,703 @@
 </p:sld>
 </file>
 
+<file path=ppt/slides/slide10.xml><?xml version="1.0" encoding="utf-8"?>
+<p:sld xmlns:a="http://schemas.openxmlformats.org/drawingml/2006/main" xmlns:r="http://schemas.openxmlformats.org/officeDocument/2006/relationships" xmlns:p="http://schemas.openxmlformats.org/presentationml/2006/main">
+  <p:cSld>
+    <p:spTree>
+      <p:nvGrpSpPr>
+        <p:cNvPr id="1" name=""/>
+        <p:cNvGrpSpPr/>
+        <p:nvPr/>
+      </p:nvGrpSpPr>
+      <p:grpSpPr>
+        <a:xfrm>
+          <a:off x="0" y="0"/>
+          <a:ext cx="0" cy="0"/>
+          <a:chOff x="0" y="0"/>
+          <a:chExt cx="0" cy="0"/>
+        </a:xfrm>
+      </p:grpSpPr>
+      <p:sp>
+        <p:nvSpPr>
+          <p:cNvPr id="4" name="TextBox 3"/>
+          <p:cNvSpPr txBox="1"/>
+          <p:nvPr/>
+        </p:nvSpPr>
+        <p:spPr>
+          <a:xfrm>
+            <a:off x="265471" y="314632"/>
+            <a:ext cx="9033242" cy="3785652"/>
+          </a:xfrm>
+          <a:prstGeom prst="rect">
+            <a:avLst/>
+          </a:prstGeom>
+          <a:noFill/>
+        </p:spPr>
+        <p:txBody>
+          <a:bodyPr wrap="none" rtlCol="0">
+            <a:spAutoFit/>
+          </a:bodyPr>
+          <a:lstStyle/>
+          <a:p>
+            <a:r>
+              <a:rPr lang="en-US" altLang="ko-KR" sz="2000">
+                <a:latin typeface="나눔고딕코딩" panose="020D0009000000000000" pitchFamily="49" charset="-127"/>
+                <a:ea typeface="나눔고딕코딩" panose="020D0009000000000000" pitchFamily="49" charset="-127"/>
+              </a:rPr>
+              <a:t>android_create_thread_fn </a:t>
+            </a:r>
+            <a:r>
+              <a:rPr lang="en-US" altLang="ko-KR" sz="2000">
+                <a:latin typeface="나눔고딕코딩" panose="020D0009000000000000" pitchFamily="49" charset="-127"/>
+                <a:ea typeface="나눔고딕코딩" panose="020D0009000000000000" pitchFamily="49" charset="-127"/>
+              </a:rPr>
+              <a:t>gCreateThreadFn </a:t>
+            </a:r>
+            <a:r>
+              <a:rPr lang="en-US" altLang="ko-KR" sz="2000">
+                <a:latin typeface="나눔고딕코딩" panose="020D0009000000000000" pitchFamily="49" charset="-127"/>
+                <a:ea typeface="나눔고딕코딩" panose="020D0009000000000000" pitchFamily="49" charset="-127"/>
+              </a:rPr>
+              <a:t>= </a:t>
+            </a:r>
+            <a:r>
+              <a:rPr lang="en-US" altLang="ko-KR" sz="2000" smtClean="0">
+                <a:latin typeface="나눔고딕코딩" panose="020D0009000000000000" pitchFamily="49" charset="-127"/>
+                <a:ea typeface="나눔고딕코딩" panose="020D0009000000000000" pitchFamily="49" charset="-127"/>
+              </a:rPr>
+              <a:t>androidCreateRawThreadEtc;</a:t>
+            </a:r>
+            <a:endParaRPr lang="en-US" altLang="ko-KR" sz="2000">
+              <a:latin typeface="나눔고딕코딩" panose="020D0009000000000000" pitchFamily="49" charset="-127"/>
+              <a:ea typeface="나눔고딕코딩" panose="020D0009000000000000" pitchFamily="49" charset="-127"/>
+            </a:endParaRPr>
+          </a:p>
+          <a:p>
+            <a:endParaRPr lang="en-US" altLang="ko-KR" sz="2000">
+              <a:latin typeface="나눔고딕코딩" panose="020D0009000000000000" pitchFamily="49" charset="-127"/>
+              <a:ea typeface="나눔고딕코딩" panose="020D0009000000000000" pitchFamily="49" charset="-127"/>
+            </a:endParaRPr>
+          </a:p>
+          <a:p>
+            <a:r>
+              <a:rPr lang="en-US" altLang="ko-KR" sz="2000" smtClean="0">
+                <a:latin typeface="나눔고딕코딩" panose="020D0009000000000000" pitchFamily="49" charset="-127"/>
+                <a:ea typeface="나눔고딕코딩" panose="020D0009000000000000" pitchFamily="49" charset="-127"/>
+              </a:rPr>
+              <a:t>if </a:t>
+            </a:r>
+            <a:r>
+              <a:rPr lang="en-US" altLang="ko-KR" sz="2000">
+                <a:latin typeface="나눔고딕코딩" panose="020D0009000000000000" pitchFamily="49" charset="-127"/>
+                <a:ea typeface="나눔고딕코딩" panose="020D0009000000000000" pitchFamily="49" charset="-127"/>
+              </a:rPr>
+              <a:t>(</a:t>
+            </a:r>
+            <a:r>
+              <a:rPr lang="en-US" altLang="ko-KR" sz="2000" smtClean="0">
+                <a:latin typeface="나눔고딕코딩" panose="020D0009000000000000" pitchFamily="49" charset="-127"/>
+                <a:ea typeface="나눔고딕코딩" panose="020D0009000000000000" pitchFamily="49" charset="-127"/>
+              </a:rPr>
+              <a:t>mCanCallJava = true) </a:t>
+            </a:r>
+            <a:r>
+              <a:rPr lang="en-US" altLang="ko-KR" sz="2000">
+                <a:latin typeface="나눔고딕코딩" panose="020D0009000000000000" pitchFamily="49" charset="-127"/>
+                <a:ea typeface="나눔고딕코딩" panose="020D0009000000000000" pitchFamily="49" charset="-127"/>
+              </a:rPr>
+              <a:t>{</a:t>
+            </a:r>
+          </a:p>
+          <a:p>
+            <a:r>
+              <a:rPr lang="en-US" altLang="ko-KR" sz="2000">
+                <a:latin typeface="나눔고딕코딩" panose="020D0009000000000000" pitchFamily="49" charset="-127"/>
+                <a:ea typeface="나눔고딕코딩" panose="020D0009000000000000" pitchFamily="49" charset="-127"/>
+              </a:rPr>
+              <a:t>    res = </a:t>
+            </a:r>
+            <a:r>
+              <a:rPr lang="en-US" altLang="ko-KR" sz="2000">
+                <a:solidFill>
+                  <a:srgbClr val="FF0000"/>
+                </a:solidFill>
+                <a:latin typeface="나눔고딕코딩" panose="020D0009000000000000" pitchFamily="49" charset="-127"/>
+                <a:ea typeface="나눔고딕코딩" panose="020D0009000000000000" pitchFamily="49" charset="-127"/>
+              </a:rPr>
+              <a:t>createThreadEtc</a:t>
+            </a:r>
+            <a:r>
+              <a:rPr lang="en-US" altLang="ko-KR" sz="2000">
+                <a:latin typeface="나눔고딕코딩" panose="020D0009000000000000" pitchFamily="49" charset="-127"/>
+                <a:ea typeface="나눔고딕코딩" panose="020D0009000000000000" pitchFamily="49" charset="-127"/>
+              </a:rPr>
+              <a:t>(_threadLoop,</a:t>
+            </a:r>
+          </a:p>
+          <a:p>
+            <a:r>
+              <a:rPr lang="en-US" altLang="ko-KR" sz="2000">
+                <a:latin typeface="나눔고딕코딩" panose="020D0009000000000000" pitchFamily="49" charset="-127"/>
+                <a:ea typeface="나눔고딕코딩" panose="020D0009000000000000" pitchFamily="49" charset="-127"/>
+              </a:rPr>
+              <a:t>            this, name, priority, stack, &amp;mThread);</a:t>
+            </a:r>
+          </a:p>
+          <a:p>
+            <a:r>
+              <a:rPr lang="en-US" altLang="ko-KR" sz="2000">
+                <a:latin typeface="나눔고딕코딩" panose="020D0009000000000000" pitchFamily="49" charset="-127"/>
+                <a:ea typeface="나눔고딕코딩" panose="020D0009000000000000" pitchFamily="49" charset="-127"/>
+              </a:rPr>
+              <a:t>} else {</a:t>
+            </a:r>
+          </a:p>
+          <a:p>
+            <a:r>
+              <a:rPr lang="en-US" altLang="ko-KR" sz="2000">
+                <a:latin typeface="나눔고딕코딩" panose="020D0009000000000000" pitchFamily="49" charset="-127"/>
+                <a:ea typeface="나눔고딕코딩" panose="020D0009000000000000" pitchFamily="49" charset="-127"/>
+              </a:rPr>
+              <a:t>    res = androidCreateRawThreadEtc(_threadLoop,</a:t>
+            </a:r>
+          </a:p>
+          <a:p>
+            <a:r>
+              <a:rPr lang="en-US" altLang="ko-KR" sz="2000">
+                <a:latin typeface="나눔고딕코딩" panose="020D0009000000000000" pitchFamily="49" charset="-127"/>
+                <a:ea typeface="나눔고딕코딩" panose="020D0009000000000000" pitchFamily="49" charset="-127"/>
+              </a:rPr>
+              <a:t>            this, name, priority, stack, &amp;mThread);</a:t>
+            </a:r>
+          </a:p>
+          <a:p>
+            <a:r>
+              <a:rPr lang="en-US" altLang="ko-KR" sz="2000" smtClean="0">
+                <a:latin typeface="나눔고딕코딩" panose="020D0009000000000000" pitchFamily="49" charset="-127"/>
+                <a:ea typeface="나눔고딕코딩" panose="020D0009000000000000" pitchFamily="49" charset="-127"/>
+              </a:rPr>
+              <a:t>}</a:t>
+            </a:r>
+          </a:p>
+          <a:p>
+            <a:endParaRPr lang="en-US" altLang="ko-KR" sz="2000">
+              <a:latin typeface="나눔고딕코딩" panose="020D0009000000000000" pitchFamily="49" charset="-127"/>
+              <a:ea typeface="나눔고딕코딩" panose="020D0009000000000000" pitchFamily="49" charset="-127"/>
+            </a:endParaRPr>
+          </a:p>
+          <a:p>
+            <a:r>
+              <a:rPr lang="en-US" altLang="ko-KR" sz="2000" smtClean="0">
+                <a:latin typeface="나눔고딕코딩" panose="020D0009000000000000" pitchFamily="49" charset="-127"/>
+                <a:ea typeface="나눔고딕코딩" panose="020D0009000000000000" pitchFamily="49" charset="-127"/>
+              </a:rPr>
+              <a:t>androidCreateThreadEtc();</a:t>
+            </a:r>
+          </a:p>
+          <a:p>
+            <a:r>
+              <a:rPr lang="en-US" altLang="ko-KR" sz="2000" smtClean="0">
+                <a:latin typeface="나눔고딕코딩" panose="020D0009000000000000" pitchFamily="49" charset="-127"/>
+                <a:ea typeface="나눔고딕코딩" panose="020D0009000000000000" pitchFamily="49" charset="-127"/>
+              </a:rPr>
+              <a:t>androidCreateRawThreadEtc();</a:t>
+            </a:r>
+            <a:endParaRPr lang="ko-KR" altLang="en-US" sz="2000" smtClean="0">
+              <a:latin typeface="나눔고딕코딩" panose="020D0009000000000000" pitchFamily="49" charset="-127"/>
+              <a:ea typeface="나눔고딕코딩" panose="020D0009000000000000" pitchFamily="49" charset="-127"/>
+            </a:endParaRPr>
+          </a:p>
+        </p:txBody>
+      </p:sp>
+    </p:spTree>
+    <p:extLst>
+      <p:ext uri="{BB962C8B-B14F-4D97-AF65-F5344CB8AC3E}">
+        <p14:creationId xmlns:p14="http://schemas.microsoft.com/office/powerpoint/2010/main" val="1596541763"/>
+      </p:ext>
+    </p:extLst>
+  </p:cSld>
+  <p:clrMapOvr>
+    <a:masterClrMapping/>
+  </p:clrMapOvr>
+</p:sld>
+</file>
+
+<file path=ppt/slides/slide11.xml><?xml version="1.0" encoding="utf-8"?>
+<p:sld xmlns:a="http://schemas.openxmlformats.org/drawingml/2006/main" xmlns:r="http://schemas.openxmlformats.org/officeDocument/2006/relationships" xmlns:p="http://schemas.openxmlformats.org/presentationml/2006/main">
+  <p:cSld>
+    <p:spTree>
+      <p:nvGrpSpPr>
+        <p:cNvPr id="1" name=""/>
+        <p:cNvGrpSpPr/>
+        <p:nvPr/>
+      </p:nvGrpSpPr>
+      <p:grpSpPr>
+        <a:xfrm>
+          <a:off x="0" y="0"/>
+          <a:ext cx="0" cy="0"/>
+          <a:chOff x="0" y="0"/>
+          <a:chExt cx="0" cy="0"/>
+        </a:xfrm>
+      </p:grpSpPr>
+      <p:sp>
+        <p:nvSpPr>
+          <p:cNvPr id="5" name="TextBox 4"/>
+          <p:cNvSpPr txBox="1"/>
+          <p:nvPr/>
+        </p:nvSpPr>
+        <p:spPr>
+          <a:xfrm>
+            <a:off x="245806" y="334297"/>
+            <a:ext cx="6981398" cy="3477875"/>
+          </a:xfrm>
+          <a:prstGeom prst="rect">
+            <a:avLst/>
+          </a:prstGeom>
+          <a:noFill/>
+        </p:spPr>
+        <p:txBody>
+          <a:bodyPr wrap="none" rtlCol="0">
+            <a:spAutoFit/>
+          </a:bodyPr>
+          <a:lstStyle/>
+          <a:p>
+            <a:r>
+              <a:rPr lang="ko-KR" altLang="en-US" sz="2000" smtClean="0">
+                <a:latin typeface="나눔고딕코딩" panose="020D0009000000000000" pitchFamily="49" charset="-127"/>
+                <a:ea typeface="나눔고딕코딩" panose="020D0009000000000000" pitchFamily="49" charset="-127"/>
+              </a:rPr>
+              <a:t>자이고트 프로세스의 위치를 찾는 방법</a:t>
+            </a:r>
+            <a:endParaRPr lang="en-US" altLang="ko-KR" sz="2000" smtClean="0">
+              <a:latin typeface="나눔고딕코딩" panose="020D0009000000000000" pitchFamily="49" charset="-127"/>
+              <a:ea typeface="나눔고딕코딩" panose="020D0009000000000000" pitchFamily="49" charset="-127"/>
+            </a:endParaRPr>
+          </a:p>
+          <a:p>
+            <a:endParaRPr lang="en-US" altLang="ko-KR" sz="2000">
+              <a:latin typeface="나눔고딕코딩" panose="020D0009000000000000" pitchFamily="49" charset="-127"/>
+              <a:ea typeface="나눔고딕코딩" panose="020D0009000000000000" pitchFamily="49" charset="-127"/>
+            </a:endParaRPr>
+          </a:p>
+          <a:p>
+            <a:r>
+              <a:rPr lang="en-US" altLang="ko-KR" sz="2000" smtClean="0">
+                <a:latin typeface="나눔고딕코딩" panose="020D0009000000000000" pitchFamily="49" charset="-127"/>
+                <a:ea typeface="나눔고딕코딩" panose="020D0009000000000000" pitchFamily="49" charset="-127"/>
+              </a:rPr>
+              <a:t>zygote64: app_process64</a:t>
+            </a:r>
+          </a:p>
+          <a:p>
+            <a:r>
+              <a:rPr lang="en-US" altLang="ko-KR" sz="2000" smtClean="0">
+                <a:latin typeface="나눔고딕코딩" panose="020D0009000000000000" pitchFamily="49" charset="-127"/>
+                <a:ea typeface="나눔고딕코딩" panose="020D0009000000000000" pitchFamily="49" charset="-127"/>
+              </a:rPr>
+              <a:t>zygote: app_process</a:t>
+            </a:r>
+          </a:p>
+          <a:p>
+            <a:endParaRPr lang="en-US" altLang="ko-KR" sz="2000">
+              <a:latin typeface="나눔고딕코딩" panose="020D0009000000000000" pitchFamily="49" charset="-127"/>
+              <a:ea typeface="나눔고딕코딩" panose="020D0009000000000000" pitchFamily="49" charset="-127"/>
+            </a:endParaRPr>
+          </a:p>
+          <a:p>
+            <a:r>
+              <a:rPr lang="en-US" altLang="ko-KR" sz="2000" smtClean="0">
+                <a:latin typeface="나눔고딕코딩" panose="020D0009000000000000" pitchFamily="49" charset="-127"/>
+                <a:ea typeface="나눔고딕코딩" panose="020D0009000000000000" pitchFamily="49" charset="-127"/>
+              </a:rPr>
+              <a:t>app_process</a:t>
+            </a:r>
+            <a:r>
+              <a:rPr lang="ko-KR" altLang="en-US" sz="2000" smtClean="0">
+                <a:latin typeface="나눔고딕코딩" panose="020D0009000000000000" pitchFamily="49" charset="-127"/>
+                <a:ea typeface="나눔고딕코딩" panose="020D0009000000000000" pitchFamily="49" charset="-127"/>
+              </a:rPr>
+              <a:t>의 이름을 찾으면 됩니다</a:t>
+            </a:r>
+            <a:r>
+              <a:rPr lang="en-US" altLang="ko-KR" sz="2000" smtClean="0">
+                <a:latin typeface="나눔고딕코딩" panose="020D0009000000000000" pitchFamily="49" charset="-127"/>
+                <a:ea typeface="나눔고딕코딩" panose="020D0009000000000000" pitchFamily="49" charset="-127"/>
+              </a:rPr>
+              <a:t>.</a:t>
+            </a:r>
+          </a:p>
+          <a:p>
+            <a:r>
+              <a:rPr lang="en-US" altLang="ko-KR" sz="2000">
+                <a:latin typeface="나눔고딕코딩" panose="020D0009000000000000" pitchFamily="49" charset="-127"/>
+                <a:ea typeface="나눔고딕코딩" panose="020D0009000000000000" pitchFamily="49" charset="-127"/>
+              </a:rPr>
+              <a:t>/</a:t>
+            </a:r>
+            <a:r>
+              <a:rPr lang="en-US" altLang="ko-KR" sz="2000" smtClean="0">
+                <a:latin typeface="나눔고딕코딩" panose="020D0009000000000000" pitchFamily="49" charset="-127"/>
+                <a:ea typeface="나눔고딕코딩" panose="020D0009000000000000" pitchFamily="49" charset="-127"/>
+              </a:rPr>
+              <a:t>root/android-google/frameworks/base/cmds/app_process</a:t>
+            </a:r>
+          </a:p>
+          <a:p>
+            <a:endParaRPr lang="en-US" altLang="ko-KR" sz="2000">
+              <a:latin typeface="나눔고딕코딩" panose="020D0009000000000000" pitchFamily="49" charset="-127"/>
+              <a:ea typeface="나눔고딕코딩" panose="020D0009000000000000" pitchFamily="49" charset="-127"/>
+            </a:endParaRPr>
+          </a:p>
+          <a:p>
+            <a:r>
+              <a:rPr lang="en-US" altLang="ko-KR" sz="2000" smtClean="0">
+                <a:latin typeface="나눔고딕코딩" panose="020D0009000000000000" pitchFamily="49" charset="-127"/>
+                <a:ea typeface="나눔고딕코딩" panose="020D0009000000000000" pitchFamily="49" charset="-127"/>
+              </a:rPr>
+              <a:t>/system/bin/app_process</a:t>
+            </a:r>
+          </a:p>
+          <a:p>
+            <a:endParaRPr lang="en-US" altLang="ko-KR" sz="2000">
+              <a:latin typeface="나눔고딕코딩" panose="020D0009000000000000" pitchFamily="49" charset="-127"/>
+              <a:ea typeface="나눔고딕코딩" panose="020D0009000000000000" pitchFamily="49" charset="-127"/>
+            </a:endParaRPr>
+          </a:p>
+          <a:p>
+            <a:r>
+              <a:rPr lang="en-US" altLang="ko-KR" sz="2000" smtClean="0">
+                <a:latin typeface="나눔고딕코딩" panose="020D0009000000000000" pitchFamily="49" charset="-127"/>
+                <a:ea typeface="나눔고딕코딩" panose="020D0009000000000000" pitchFamily="49" charset="-127"/>
+              </a:rPr>
+              <a:t>app_process --zygote</a:t>
+            </a:r>
+            <a:endParaRPr lang="ko-KR" altLang="en-US" sz="2000" smtClean="0">
+              <a:latin typeface="나눔고딕코딩" panose="020D0009000000000000" pitchFamily="49" charset="-127"/>
+              <a:ea typeface="나눔고딕코딩" panose="020D0009000000000000" pitchFamily="49" charset="-127"/>
+            </a:endParaRPr>
+          </a:p>
+        </p:txBody>
+      </p:sp>
+    </p:spTree>
+    <p:extLst>
+      <p:ext uri="{BB962C8B-B14F-4D97-AF65-F5344CB8AC3E}">
+        <p14:creationId xmlns:p14="http://schemas.microsoft.com/office/powerpoint/2010/main" val="1197263792"/>
+      </p:ext>
+    </p:extLst>
+  </p:cSld>
+  <p:clrMapOvr>
+    <a:masterClrMapping/>
+  </p:clrMapOvr>
+</p:sld>
+</file>
+
+<file path=ppt/slides/slide12.xml><?xml version="1.0" encoding="utf-8"?>
+<p:sld xmlns:a="http://schemas.openxmlformats.org/drawingml/2006/main" xmlns:r="http://schemas.openxmlformats.org/officeDocument/2006/relationships" xmlns:p="http://schemas.openxmlformats.org/presentationml/2006/main">
+  <p:cSld>
+    <p:spTree>
+      <p:nvGrpSpPr>
+        <p:cNvPr id="1" name=""/>
+        <p:cNvGrpSpPr/>
+        <p:nvPr/>
+      </p:nvGrpSpPr>
+      <p:grpSpPr>
+        <a:xfrm>
+          <a:off x="0" y="0"/>
+          <a:ext cx="0" cy="0"/>
+          <a:chOff x="0" y="0"/>
+          <a:chExt cx="0" cy="0"/>
+        </a:xfrm>
+      </p:grpSpPr>
+      <p:sp>
+        <p:nvSpPr>
+          <p:cNvPr id="5" name="TextBox 4"/>
+          <p:cNvSpPr txBox="1"/>
+          <p:nvPr/>
+        </p:nvSpPr>
+        <p:spPr>
+          <a:xfrm>
+            <a:off x="245806" y="334297"/>
+            <a:ext cx="10700365" cy="5016758"/>
+          </a:xfrm>
+          <a:prstGeom prst="rect">
+            <a:avLst/>
+          </a:prstGeom>
+          <a:noFill/>
+        </p:spPr>
+        <p:txBody>
+          <a:bodyPr wrap="none" rtlCol="0">
+            <a:spAutoFit/>
+          </a:bodyPr>
+          <a:lstStyle/>
+          <a:p>
+            <a:r>
+              <a:rPr lang="en-US" altLang="ko-KR" sz="2000" smtClean="0">
+                <a:latin typeface="나눔고딕코딩" panose="020D0009000000000000" pitchFamily="49" charset="-127"/>
+                <a:ea typeface="나눔고딕코딩" panose="020D0009000000000000" pitchFamily="49" charset="-127"/>
+              </a:rPr>
+              <a:t>/root/android-google/frameworks/base/cmds/app_process</a:t>
+            </a:r>
+          </a:p>
+          <a:p>
+            <a:endParaRPr lang="en-US" altLang="ko-KR" sz="2000">
+              <a:latin typeface="나눔고딕코딩" panose="020D0009000000000000" pitchFamily="49" charset="-127"/>
+              <a:ea typeface="나눔고딕코딩" panose="020D0009000000000000" pitchFamily="49" charset="-127"/>
+            </a:endParaRPr>
+          </a:p>
+          <a:p>
+            <a:r>
+              <a:rPr lang="en-US" altLang="ko-KR" sz="2000" smtClean="0">
+                <a:latin typeface="나눔고딕코딩" panose="020D0009000000000000" pitchFamily="49" charset="-127"/>
+                <a:ea typeface="나눔고딕코딩" panose="020D0009000000000000" pitchFamily="49" charset="-127"/>
+              </a:rPr>
+              <a:t>AndroidRuntime class</a:t>
+            </a:r>
+          </a:p>
+          <a:p>
+            <a:r>
+              <a:rPr lang="en-US" altLang="ko-KR" sz="2000">
+                <a:latin typeface="나눔고딕코딩" panose="020D0009000000000000" pitchFamily="49" charset="-127"/>
+                <a:ea typeface="나눔고딕코딩" panose="020D0009000000000000" pitchFamily="49" charset="-127"/>
+              </a:rPr>
+              <a:t>void AndroidRuntime::start(const char* className, const Vector&lt;String8</a:t>
+            </a:r>
+            <a:r>
+              <a:rPr lang="en-US" altLang="ko-KR" sz="2000">
+                <a:latin typeface="나눔고딕코딩" panose="020D0009000000000000" pitchFamily="49" charset="-127"/>
+                <a:ea typeface="나눔고딕코딩" panose="020D0009000000000000" pitchFamily="49" charset="-127"/>
+              </a:rPr>
+              <a:t>&gt;&amp; </a:t>
+            </a:r>
+            <a:r>
+              <a:rPr lang="en-US" altLang="ko-KR" sz="2000" smtClean="0">
+                <a:latin typeface="나눔고딕코딩" panose="020D0009000000000000" pitchFamily="49" charset="-127"/>
+                <a:ea typeface="나눔고딕코딩" panose="020D0009000000000000" pitchFamily="49" charset="-127"/>
+              </a:rPr>
+              <a:t>options);</a:t>
+            </a:r>
+          </a:p>
+          <a:p>
+            <a:r>
+              <a:rPr lang="en-US" altLang="ko-KR" sz="2000">
+                <a:latin typeface="나눔고딕코딩" panose="020D0009000000000000" pitchFamily="49" charset="-127"/>
+                <a:ea typeface="나눔고딕코딩" panose="020D0009000000000000" pitchFamily="49" charset="-127"/>
+              </a:rPr>
+              <a:t>startVm(&amp;mJavaVM, </a:t>
+            </a:r>
+            <a:r>
+              <a:rPr lang="en-US" altLang="ko-KR" sz="2000">
+                <a:latin typeface="나눔고딕코딩" panose="020D0009000000000000" pitchFamily="49" charset="-127"/>
+                <a:ea typeface="나눔고딕코딩" panose="020D0009000000000000" pitchFamily="49" charset="-127"/>
+              </a:rPr>
+              <a:t>&amp;</a:t>
+            </a:r>
+            <a:r>
+              <a:rPr lang="en-US" altLang="ko-KR" sz="2000" smtClean="0">
+                <a:latin typeface="나눔고딕코딩" panose="020D0009000000000000" pitchFamily="49" charset="-127"/>
+                <a:ea typeface="나눔고딕코딩" panose="020D0009000000000000" pitchFamily="49" charset="-127"/>
+              </a:rPr>
+              <a:t>env);</a:t>
+            </a:r>
+          </a:p>
+          <a:p>
+            <a:r>
+              <a:rPr lang="en-US" altLang="ko-KR" sz="2000">
+                <a:latin typeface="나눔고딕코딩" panose="020D0009000000000000" pitchFamily="49" charset="-127"/>
+                <a:ea typeface="나눔고딕코딩" panose="020D0009000000000000" pitchFamily="49" charset="-127"/>
+              </a:rPr>
+              <a:t>startReg(env</a:t>
+            </a:r>
+            <a:r>
+              <a:rPr lang="en-US" altLang="ko-KR" sz="2000" smtClean="0">
+                <a:latin typeface="나눔고딕코딩" panose="020D0009000000000000" pitchFamily="49" charset="-127"/>
+                <a:ea typeface="나눔고딕코딩" panose="020D0009000000000000" pitchFamily="49" charset="-127"/>
+              </a:rPr>
+              <a:t>);</a:t>
+            </a:r>
+          </a:p>
+          <a:p>
+            <a:endParaRPr lang="en-US" altLang="ko-KR" sz="2000" smtClean="0">
+              <a:latin typeface="나눔고딕코딩" panose="020D0009000000000000" pitchFamily="49" charset="-127"/>
+              <a:ea typeface="나눔고딕코딩" panose="020D0009000000000000" pitchFamily="49" charset="-127"/>
+            </a:endParaRPr>
+          </a:p>
+          <a:p>
+            <a:r>
+              <a:rPr lang="en-US" altLang="ko-KR" sz="2000">
+                <a:latin typeface="나눔고딕코딩" panose="020D0009000000000000" pitchFamily="49" charset="-127"/>
+                <a:ea typeface="나눔고딕코딩" panose="020D0009000000000000" pitchFamily="49" charset="-127"/>
+              </a:rPr>
+              <a:t>androidSetCreateThreadFunc((android_create_thread_fn) </a:t>
+            </a:r>
+            <a:r>
+              <a:rPr lang="en-US" altLang="ko-KR" sz="2000">
+                <a:latin typeface="나눔고딕코딩" panose="020D0009000000000000" pitchFamily="49" charset="-127"/>
+                <a:ea typeface="나눔고딕코딩" panose="020D0009000000000000" pitchFamily="49" charset="-127"/>
+              </a:rPr>
+              <a:t>javaCreateThreadEtc</a:t>
+            </a:r>
+            <a:r>
+              <a:rPr lang="en-US" altLang="ko-KR" sz="2000" smtClean="0">
+                <a:latin typeface="나눔고딕코딩" panose="020D0009000000000000" pitchFamily="49" charset="-127"/>
+                <a:ea typeface="나눔고딕코딩" panose="020D0009000000000000" pitchFamily="49" charset="-127"/>
+              </a:rPr>
+              <a:t>);</a:t>
+            </a:r>
+          </a:p>
+          <a:p>
+            <a:endParaRPr lang="en-US" altLang="ko-KR" sz="2000">
+              <a:latin typeface="나눔고딕코딩" panose="020D0009000000000000" pitchFamily="49" charset="-127"/>
+              <a:ea typeface="나눔고딕코딩" panose="020D0009000000000000" pitchFamily="49" charset="-127"/>
+            </a:endParaRPr>
+          </a:p>
+          <a:p>
+            <a:r>
+              <a:rPr lang="en-US" altLang="ko-KR" sz="2000">
+                <a:latin typeface="나눔고딕코딩" panose="020D0009000000000000" pitchFamily="49" charset="-127"/>
+                <a:ea typeface="나눔고딕코딩" panose="020D0009000000000000" pitchFamily="49" charset="-127"/>
+              </a:rPr>
+              <a:t>void androidSetCreateThreadFunc(android_create_thread_fn func)</a:t>
+            </a:r>
+          </a:p>
+          <a:p>
+            <a:r>
+              <a:rPr lang="en-US" altLang="ko-KR" sz="2000">
+                <a:latin typeface="나눔고딕코딩" panose="020D0009000000000000" pitchFamily="49" charset="-127"/>
+                <a:ea typeface="나눔고딕코딩" panose="020D0009000000000000" pitchFamily="49" charset="-127"/>
+              </a:rPr>
+              <a:t>{</a:t>
+            </a:r>
+          </a:p>
+          <a:p>
+            <a:r>
+              <a:rPr lang="en-US" altLang="ko-KR" sz="2000">
+                <a:latin typeface="나눔고딕코딩" panose="020D0009000000000000" pitchFamily="49" charset="-127"/>
+                <a:ea typeface="나눔고딕코딩" panose="020D0009000000000000" pitchFamily="49" charset="-127"/>
+              </a:rPr>
+              <a:t>    gCreateThreadFn = func;</a:t>
+            </a:r>
+          </a:p>
+          <a:p>
+            <a:r>
+              <a:rPr lang="en-US" altLang="ko-KR" sz="2000" smtClean="0">
+                <a:latin typeface="나눔고딕코딩" panose="020D0009000000000000" pitchFamily="49" charset="-127"/>
+                <a:ea typeface="나눔고딕코딩" panose="020D0009000000000000" pitchFamily="49" charset="-127"/>
+              </a:rPr>
+              <a:t>}</a:t>
+            </a:r>
+          </a:p>
+          <a:p>
+            <a:r>
+              <a:rPr lang="en-US" altLang="ko-KR" sz="2000" smtClean="0">
+                <a:latin typeface="나눔고딕코딩" panose="020D0009000000000000" pitchFamily="49" charset="-127"/>
+                <a:ea typeface="나눔고딕코딩" panose="020D0009000000000000" pitchFamily="49" charset="-127"/>
+              </a:rPr>
+              <a:t>javaCreateThreadEtc</a:t>
+            </a:r>
+          </a:p>
+          <a:p>
+            <a:r>
+              <a:rPr lang="en-US" altLang="ko-KR" sz="2000" smtClean="0">
+                <a:latin typeface="나눔고딕코딩" panose="020D0009000000000000" pitchFamily="49" charset="-127"/>
+                <a:ea typeface="나눔고딕코딩" panose="020D0009000000000000" pitchFamily="49" charset="-127"/>
+              </a:rPr>
+              <a:t>-&gt; androidCreateRawThreadEtc(</a:t>
+            </a:r>
+            <a:r>
+              <a:rPr lang="en-US" altLang="ko-KR" sz="2000">
+                <a:solidFill>
+                  <a:srgbClr val="FF0000"/>
+                </a:solidFill>
+                <a:latin typeface="나눔고딕코딩" panose="020D0009000000000000" pitchFamily="49" charset="-127"/>
+                <a:ea typeface="나눔고딕코딩" panose="020D0009000000000000" pitchFamily="49" charset="-127"/>
+              </a:rPr>
+              <a:t>A</a:t>
+            </a:r>
+            <a:r>
+              <a:rPr lang="en-US" altLang="ko-KR" sz="2000" smtClean="0">
+                <a:solidFill>
+                  <a:srgbClr val="FF0000"/>
+                </a:solidFill>
+                <a:latin typeface="나눔고딕코딩" panose="020D0009000000000000" pitchFamily="49" charset="-127"/>
+                <a:ea typeface="나눔고딕코딩" panose="020D0009000000000000" pitchFamily="49" charset="-127"/>
+              </a:rPr>
+              <a:t>ndroidRuntime</a:t>
+            </a:r>
+            <a:r>
+              <a:rPr lang="en-US" altLang="ko-KR" sz="2000">
+                <a:solidFill>
+                  <a:srgbClr val="FF0000"/>
+                </a:solidFill>
+                <a:latin typeface="나눔고딕코딩" panose="020D0009000000000000" pitchFamily="49" charset="-127"/>
+                <a:ea typeface="나눔고딕코딩" panose="020D0009000000000000" pitchFamily="49" charset="-127"/>
+              </a:rPr>
+              <a:t>::javaThreadShell</a:t>
+            </a:r>
+            <a:r>
+              <a:rPr lang="en-US" altLang="ko-KR" sz="2000">
+                <a:latin typeface="나눔고딕코딩" panose="020D0009000000000000" pitchFamily="49" charset="-127"/>
+                <a:ea typeface="나눔고딕코딩" panose="020D0009000000000000" pitchFamily="49" charset="-127"/>
+              </a:rPr>
+              <a:t>, </a:t>
+            </a:r>
+            <a:r>
+              <a:rPr lang="en-US" altLang="ko-KR" sz="2000">
+                <a:latin typeface="나눔고딕코딩" panose="020D0009000000000000" pitchFamily="49" charset="-127"/>
+                <a:ea typeface="나눔고딕코딩" panose="020D0009000000000000" pitchFamily="49" charset="-127"/>
+              </a:rPr>
+              <a:t>args</a:t>
+            </a:r>
+            <a:r>
+              <a:rPr lang="en-US" altLang="ko-KR" sz="2000" smtClean="0">
+                <a:latin typeface="나눔고딕코딩" panose="020D0009000000000000" pitchFamily="49" charset="-127"/>
+                <a:ea typeface="나눔고딕코딩" panose="020D0009000000000000" pitchFamily="49" charset="-127"/>
+              </a:rPr>
+              <a:t>, ...);</a:t>
+            </a:r>
+          </a:p>
+          <a:p>
+            <a:r>
+              <a:rPr lang="en-US" altLang="ko-KR" sz="2000">
+                <a:latin typeface="나눔고딕코딩" panose="020D0009000000000000" pitchFamily="49" charset="-127"/>
+                <a:ea typeface="나눔고딕코딩" panose="020D0009000000000000" pitchFamily="49" charset="-127"/>
+              </a:rPr>
+              <a:t>-&gt; javaAttachThread(name, &amp;</a:t>
+            </a:r>
+            <a:r>
+              <a:rPr lang="en-US" altLang="ko-KR" sz="2000">
+                <a:latin typeface="나눔고딕코딩" panose="020D0009000000000000" pitchFamily="49" charset="-127"/>
+                <a:ea typeface="나눔고딕코딩" panose="020D0009000000000000" pitchFamily="49" charset="-127"/>
+              </a:rPr>
+              <a:t>env</a:t>
+            </a:r>
+            <a:r>
+              <a:rPr lang="en-US" altLang="ko-KR" sz="2000" smtClean="0">
+                <a:latin typeface="나눔고딕코딩" panose="020D0009000000000000" pitchFamily="49" charset="-127"/>
+                <a:ea typeface="나눔고딕코딩" panose="020D0009000000000000" pitchFamily="49" charset="-127"/>
+              </a:rPr>
+              <a:t>)</a:t>
+            </a:r>
+            <a:endParaRPr lang="en-US" altLang="ko-KR" sz="2000">
+              <a:latin typeface="나눔고딕코딩" panose="020D0009000000000000" pitchFamily="49" charset="-127"/>
+              <a:ea typeface="나눔고딕코딩" panose="020D0009000000000000" pitchFamily="49" charset="-127"/>
+            </a:endParaRPr>
+          </a:p>
+        </p:txBody>
+      </p:sp>
+    </p:spTree>
+    <p:extLst>
+      <p:ext uri="{BB962C8B-B14F-4D97-AF65-F5344CB8AC3E}">
+        <p14:creationId xmlns:p14="http://schemas.microsoft.com/office/powerpoint/2010/main" val="1903424949"/>
+      </p:ext>
+    </p:extLst>
+  </p:cSld>
+  <p:clrMapOvr>
+    <a:masterClrMapping/>
+  </p:clrMapOvr>
+</p:sld>
+</file>
+
 <file path=ppt/slides/slide2.xml><?xml version="1.0" encoding="utf-8"?>
 <p:sld xmlns:a="http://schemas.openxmlformats.org/drawingml/2006/main" xmlns:r="http://schemas.openxmlformats.org/officeDocument/2006/relationships" xmlns:p="http://schemas.openxmlformats.org/presentationml/2006/main">
   <p:cSld>
@@ -5529,14 +6237,7 @@
                 <a:latin typeface="나눔고딕코딩" panose="020D0009000000000000" pitchFamily="49" charset="-127"/>
                 <a:ea typeface="나눔고딕코딩" panose="020D0009000000000000" pitchFamily="49" charset="-127"/>
               </a:rPr>
-              <a:t>androidCreateRawThreadEtc</a:t>
-            </a:r>
-            <a:r>
-              <a:rPr lang="en-US" altLang="ko-KR" sz="2000" smtClean="0">
-                <a:latin typeface="나눔고딕코딩" panose="020D0009000000000000" pitchFamily="49" charset="-127"/>
-                <a:ea typeface="나눔고딕코딩" panose="020D0009000000000000" pitchFamily="49" charset="-127"/>
-              </a:rPr>
-              <a:t>(entryFunction, userData, threadName, threadPriority, threadStackSize, threadId);</a:t>
+              <a:t>androidCreateRawThreadEtc(entryFunction, userData, threadName, threadPriority, threadStackSize, threadId);</a:t>
             </a:r>
           </a:p>
           <a:p>
@@ -5676,12 +6377,25 @@
                 <a:latin typeface="나눔고딕코딩" panose="020D0009000000000000" pitchFamily="49" charset="-127"/>
                 <a:ea typeface="나눔고딕코딩" panose="020D0009000000000000" pitchFamily="49" charset="-127"/>
               </a:rPr>
-              <a:t>        if (first) {</a:t>
-            </a:r>
-          </a:p>
-          <a:p>
-            <a:r>
-              <a:rPr lang="en-US" altLang="ko-KR" sz="2000" smtClean="0">
+              <a:t>        </a:t>
+            </a:r>
+            <a:r>
+              <a:rPr lang="en-US" altLang="ko-KR" sz="2000" smtClean="0">
+                <a:solidFill>
+                  <a:srgbClr val="FF0000"/>
+                </a:solidFill>
+                <a:latin typeface="나눔고딕코딩" panose="020D0009000000000000" pitchFamily="49" charset="-127"/>
+                <a:ea typeface="나눔고딕코딩" panose="020D0009000000000000" pitchFamily="49" charset="-127"/>
+              </a:rPr>
+              <a:t>if (first) {</a:t>
+            </a:r>
+          </a:p>
+          <a:p>
+            <a:r>
+              <a:rPr lang="en-US" altLang="ko-KR" sz="2000" smtClean="0">
+                <a:solidFill>
+                  <a:srgbClr val="FF0000"/>
+                </a:solidFill>
                 <a:latin typeface="나눔고딕코딩" panose="020D0009000000000000" pitchFamily="49" charset="-127"/>
                 <a:ea typeface="나눔고딕코딩" panose="020D0009000000000000" pitchFamily="49" charset="-127"/>
               </a:rPr>
@@ -5691,6 +6405,9 @@
           <a:p>
             <a:r>
               <a:rPr lang="en-US" altLang="ko-KR" sz="2000" smtClean="0">
+                <a:solidFill>
+                  <a:srgbClr val="FF0000"/>
+                </a:solidFill>
                 <a:latin typeface="나눔고딕코딩" panose="020D0009000000000000" pitchFamily="49" charset="-127"/>
                 <a:ea typeface="나눔고딕코딩" panose="020D0009000000000000" pitchFamily="49" charset="-127"/>
               </a:rPr>
@@ -5700,6 +6417,9 @@
           <a:p>
             <a:r>
               <a:rPr lang="en-US" altLang="ko-KR" sz="2000" smtClean="0">
+                <a:solidFill>
+                  <a:srgbClr val="FF0000"/>
+                </a:solidFill>
                 <a:latin typeface="나눔고딕코딩" panose="020D0009000000000000" pitchFamily="49" charset="-127"/>
                 <a:ea typeface="나눔고딕코딩" panose="020D0009000000000000" pitchFamily="49" charset="-127"/>
               </a:rPr>
@@ -5707,64 +6427,714 @@
             </a:r>
           </a:p>
           <a:p>
+            <a:endParaRPr lang="en-US" altLang="ko-KR" sz="2000" smtClean="0">
+              <a:solidFill>
+                <a:srgbClr val="FF0000"/>
+              </a:solidFill>
+              <a:latin typeface="나눔고딕코딩" panose="020D0009000000000000" pitchFamily="49" charset="-127"/>
+              <a:ea typeface="나눔고딕코딩" panose="020D0009000000000000" pitchFamily="49" charset="-127"/>
+            </a:endParaRPr>
+          </a:p>
+          <a:p>
+            <a:r>
+              <a:rPr lang="en-US" altLang="ko-KR" sz="2000" smtClean="0">
+                <a:solidFill>
+                  <a:srgbClr val="FF0000"/>
+                </a:solidFill>
+                <a:latin typeface="나눔고딕코딩" panose="020D0009000000000000" pitchFamily="49" charset="-127"/>
+                <a:ea typeface="나눔고딕코딩" panose="020D0009000000000000" pitchFamily="49" charset="-127"/>
+              </a:rPr>
+              <a:t>            if (result &amp;&amp; !self-&gt;exitPending()) {</a:t>
+            </a:r>
+          </a:p>
+          <a:p>
+            <a:r>
+              <a:rPr lang="en-US" altLang="ko-KR" sz="2000" smtClean="0">
+                <a:solidFill>
+                  <a:srgbClr val="FF0000"/>
+                </a:solidFill>
+                <a:latin typeface="나눔고딕코딩" panose="020D0009000000000000" pitchFamily="49" charset="-127"/>
+                <a:ea typeface="나눔고딕코딩" panose="020D0009000000000000" pitchFamily="49" charset="-127"/>
+              </a:rPr>
+              <a:t>                result = self-&gt;threadLoop();</a:t>
+            </a:r>
+          </a:p>
+          <a:p>
+            <a:r>
+              <a:rPr lang="en-US" altLang="ko-KR" sz="2000" smtClean="0">
+                <a:solidFill>
+                  <a:srgbClr val="FF0000"/>
+                </a:solidFill>
+                <a:latin typeface="나눔고딕코딩" panose="020D0009000000000000" pitchFamily="49" charset="-127"/>
+                <a:ea typeface="나눔고딕코딩" panose="020D0009000000000000" pitchFamily="49" charset="-127"/>
+              </a:rPr>
+              <a:t>            }</a:t>
+            </a:r>
+          </a:p>
+          <a:p>
+            <a:r>
+              <a:rPr lang="en-US" altLang="ko-KR" sz="2000" smtClean="0">
+                <a:solidFill>
+                  <a:srgbClr val="FF0000"/>
+                </a:solidFill>
+                <a:latin typeface="나눔고딕코딩" panose="020D0009000000000000" pitchFamily="49" charset="-127"/>
+                <a:ea typeface="나눔고딕코딩" panose="020D0009000000000000" pitchFamily="49" charset="-127"/>
+              </a:rPr>
+              <a:t>        }</a:t>
+            </a:r>
+            <a:r>
+              <a:rPr lang="en-US" altLang="ko-KR" sz="2000" smtClean="0">
+                <a:latin typeface="나눔고딕코딩" panose="020D0009000000000000" pitchFamily="49" charset="-127"/>
+                <a:ea typeface="나눔고딕코딩" panose="020D0009000000000000" pitchFamily="49" charset="-127"/>
+              </a:rPr>
+              <a:t> else {</a:t>
+            </a:r>
+          </a:p>
+          <a:p>
+            <a:r>
+              <a:rPr lang="en-US" altLang="ko-KR" sz="2000" smtClean="0">
+                <a:latin typeface="나눔고딕코딩" panose="020D0009000000000000" pitchFamily="49" charset="-127"/>
+                <a:ea typeface="나눔고딕코딩" panose="020D0009000000000000" pitchFamily="49" charset="-127"/>
+              </a:rPr>
+              <a:t>            result = self-&gt;threadLoop();</a:t>
+            </a:r>
+          </a:p>
+          <a:p>
+            <a:r>
+              <a:rPr lang="en-US" altLang="ko-KR" sz="2000" smtClean="0">
+                <a:latin typeface="나눔고딕코딩" panose="020D0009000000000000" pitchFamily="49" charset="-127"/>
+                <a:ea typeface="나눔고딕코딩" panose="020D0009000000000000" pitchFamily="49" charset="-127"/>
+              </a:rPr>
+              <a:t>        }</a:t>
+            </a:r>
+          </a:p>
+          <a:p>
+            <a:endParaRPr lang="en-US" altLang="ko-KR" sz="2000">
+              <a:latin typeface="나눔고딕코딩" panose="020D0009000000000000" pitchFamily="49" charset="-127"/>
+              <a:ea typeface="나눔고딕코딩" panose="020D0009000000000000" pitchFamily="49" charset="-127"/>
+            </a:endParaRPr>
+          </a:p>
+          <a:p>
+            <a:r>
+              <a:rPr lang="en-US" altLang="ko-KR" sz="2000" smtClean="0">
+                <a:latin typeface="나눔고딕코딩" panose="020D0009000000000000" pitchFamily="49" charset="-127"/>
+                <a:ea typeface="나눔고딕코딩" panose="020D0009000000000000" pitchFamily="49" charset="-127"/>
+              </a:rPr>
+              <a:t>    // ...</a:t>
+            </a:r>
+          </a:p>
+          <a:p>
+            <a:r>
+              <a:rPr lang="en-US" altLang="ko-KR" sz="2000" smtClean="0">
+                <a:latin typeface="나눔고딕코딩" panose="020D0009000000000000" pitchFamily="49" charset="-127"/>
+                <a:ea typeface="나눔고딕코딩" panose="020D0009000000000000" pitchFamily="49" charset="-127"/>
+              </a:rPr>
+              <a:t>    } while(strong != 0);</a:t>
+            </a:r>
+          </a:p>
+          <a:p>
+            <a:r>
+              <a:rPr lang="en-US" altLang="ko-KR" sz="2000">
+                <a:latin typeface="나눔고딕코딩" panose="020D0009000000000000" pitchFamily="49" charset="-127"/>
+                <a:ea typeface="나눔고딕코딩" panose="020D0009000000000000" pitchFamily="49" charset="-127"/>
+              </a:rPr>
+              <a:t>}</a:t>
+            </a:r>
             <a:endParaRPr lang="en-US" altLang="ko-KR" sz="2000" smtClean="0">
               <a:latin typeface="나눔고딕코딩" panose="020D0009000000000000" pitchFamily="49" charset="-127"/>
               <a:ea typeface="나눔고딕코딩" panose="020D0009000000000000" pitchFamily="49" charset="-127"/>
             </a:endParaRPr>
           </a:p>
           <a:p>
-            <a:r>
-              <a:rPr lang="en-US" altLang="ko-KR" sz="2000" smtClean="0">
-                <a:latin typeface="나눔고딕코딩" panose="020D0009000000000000" pitchFamily="49" charset="-127"/>
-                <a:ea typeface="나눔고딕코딩" panose="020D0009000000000000" pitchFamily="49" charset="-127"/>
-              </a:rPr>
-              <a:t>            if (result &amp;&amp; !self-&gt;exitPending()) {</a:t>
-            </a:r>
-          </a:p>
-          <a:p>
-            <a:r>
-              <a:rPr lang="en-US" altLang="ko-KR" sz="2000" smtClean="0">
-                <a:latin typeface="나눔고딕코딩" panose="020D0009000000000000" pitchFamily="49" charset="-127"/>
-                <a:ea typeface="나눔고딕코딩" panose="020D0009000000000000" pitchFamily="49" charset="-127"/>
-              </a:rPr>
-              <a:t>                result = self-&gt;threadLoop();</a:t>
-            </a:r>
-          </a:p>
-          <a:p>
-            <a:r>
-              <a:rPr lang="en-US" altLang="ko-KR" sz="2000" smtClean="0">
-                <a:latin typeface="나눔고딕코딩" panose="020D0009000000000000" pitchFamily="49" charset="-127"/>
-                <a:ea typeface="나눔고딕코딩" panose="020D0009000000000000" pitchFamily="49" charset="-127"/>
-              </a:rPr>
-              <a:t>            }</a:t>
-            </a:r>
-          </a:p>
-          <a:p>
-            <a:r>
-              <a:rPr lang="en-US" altLang="ko-KR" sz="2000" smtClean="0">
-                <a:latin typeface="나눔고딕코딩" panose="020D0009000000000000" pitchFamily="49" charset="-127"/>
-                <a:ea typeface="나눔고딕코딩" panose="020D0009000000000000" pitchFamily="49" charset="-127"/>
-              </a:rPr>
-              <a:t>        } else {</a:t>
-            </a:r>
-          </a:p>
-          <a:p>
-            <a:r>
-              <a:rPr lang="en-US" altLang="ko-KR" sz="2000" smtClean="0">
-                <a:latin typeface="나눔고딕코딩" panose="020D0009000000000000" pitchFamily="49" charset="-127"/>
-                <a:ea typeface="나눔고딕코딩" panose="020D0009000000000000" pitchFamily="49" charset="-127"/>
-              </a:rPr>
-              <a:t>            result = self-&gt;threadLoop();</a:t>
-            </a:r>
-          </a:p>
-          <a:p>
-            <a:r>
-              <a:rPr lang="en-US" altLang="ko-KR" sz="2000" smtClean="0">
-                <a:latin typeface="나눔고딕코딩" panose="020D0009000000000000" pitchFamily="49" charset="-127"/>
-                <a:ea typeface="나눔고딕코딩" panose="020D0009000000000000" pitchFamily="49" charset="-127"/>
-              </a:rPr>
-              <a:t>        }</a:t>
-            </a:r>
+            <a:endParaRPr lang="en-US" altLang="ko-KR" sz="2000" smtClean="0">
+              <a:latin typeface="나눔고딕코딩" panose="020D0009000000000000" pitchFamily="49" charset="-127"/>
+              <a:ea typeface="나눔고딕코딩" panose="020D0009000000000000" pitchFamily="49" charset="-127"/>
+            </a:endParaRPr>
+          </a:p>
+          <a:p>
+            <a:endParaRPr lang="ko-KR" altLang="en-US" sz="2000" smtClean="0">
+              <a:latin typeface="나눔고딕코딩" panose="020D0009000000000000" pitchFamily="49" charset="-127"/>
+              <a:ea typeface="나눔고딕코딩" panose="020D0009000000000000" pitchFamily="49" charset="-127"/>
+            </a:endParaRPr>
+          </a:p>
+        </p:txBody>
+      </p:sp>
+    </p:spTree>
+    <p:extLst>
+      <p:ext uri="{BB962C8B-B14F-4D97-AF65-F5344CB8AC3E}">
+        <p14:creationId xmlns:p14="http://schemas.microsoft.com/office/powerpoint/2010/main" val="2791584841"/>
+      </p:ext>
+    </p:extLst>
+  </p:cSld>
+  <p:clrMapOvr>
+    <a:masterClrMapping/>
+  </p:clrMapOvr>
+</p:sld>
+</file>
+
+<file path=ppt/slides/slide7.xml><?xml version="1.0" encoding="utf-8"?>
+<p:sld xmlns:a="http://schemas.openxmlformats.org/drawingml/2006/main" xmlns:r="http://schemas.openxmlformats.org/officeDocument/2006/relationships" xmlns:p="http://schemas.openxmlformats.org/presentationml/2006/main">
+  <p:cSld>
+    <p:spTree>
+      <p:nvGrpSpPr>
+        <p:cNvPr id="1" name=""/>
+        <p:cNvGrpSpPr/>
+        <p:nvPr/>
+      </p:nvGrpSpPr>
+      <p:grpSpPr>
+        <a:xfrm>
+          <a:off x="0" y="0"/>
+          <a:ext cx="0" cy="0"/>
+          <a:chOff x="0" y="0"/>
+          <a:chExt cx="0" cy="0"/>
+        </a:xfrm>
+      </p:grpSpPr>
+      <p:sp>
+        <p:nvSpPr>
+          <p:cNvPr id="4" name="TextBox 3"/>
+          <p:cNvSpPr txBox="1"/>
+          <p:nvPr/>
+        </p:nvSpPr>
+        <p:spPr>
+          <a:xfrm>
+            <a:off x="147484" y="235974"/>
+            <a:ext cx="4801314" cy="2554545"/>
+          </a:xfrm>
+          <a:prstGeom prst="rect">
+            <a:avLst/>
+          </a:prstGeom>
+          <a:noFill/>
+          <a:ln>
+            <a:solidFill>
+              <a:schemeClr val="tx1"/>
+            </a:solidFill>
+          </a:ln>
+        </p:spPr>
+        <p:txBody>
+          <a:bodyPr wrap="none" rtlCol="0">
+            <a:spAutoFit/>
+          </a:bodyPr>
+          <a:lstStyle/>
+          <a:p>
+            <a:r>
+              <a:rPr lang="en-US" altLang="ko-KR" sz="2000" smtClean="0">
+                <a:latin typeface="나눔고딕코딩" panose="020D0009000000000000" pitchFamily="49" charset="-127"/>
+                <a:ea typeface="나눔고딕코딩" panose="020D0009000000000000" pitchFamily="49" charset="-127"/>
+              </a:rPr>
+              <a:t>void ProcessState::startThreadPool()</a:t>
+            </a:r>
+          </a:p>
+          <a:p>
+            <a:r>
+              <a:rPr lang="en-US" altLang="ko-KR" sz="2000" smtClean="0">
+                <a:latin typeface="나눔고딕코딩" panose="020D0009000000000000" pitchFamily="49" charset="-127"/>
+                <a:ea typeface="나눔고딕코딩" panose="020D0009000000000000" pitchFamily="49" charset="-127"/>
+              </a:rPr>
+              <a:t>{</a:t>
+            </a:r>
+          </a:p>
+          <a:p>
+            <a:r>
+              <a:rPr lang="en-US" altLang="ko-KR" sz="2000" smtClean="0">
+                <a:latin typeface="나눔고딕코딩" panose="020D0009000000000000" pitchFamily="49" charset="-127"/>
+                <a:ea typeface="나눔고딕코딩" panose="020D0009000000000000" pitchFamily="49" charset="-127"/>
+              </a:rPr>
+              <a:t>    AutoMutex _l(mLock);</a:t>
+            </a:r>
+          </a:p>
+          <a:p>
+            <a:r>
+              <a:rPr lang="en-US" altLang="ko-KR" sz="2000" smtClean="0">
+                <a:latin typeface="나눔고딕코딩" panose="020D0009000000000000" pitchFamily="49" charset="-127"/>
+                <a:ea typeface="나눔고딕코딩" panose="020D0009000000000000" pitchFamily="49" charset="-127"/>
+              </a:rPr>
+              <a:t>    if (!mThreadPoolStarted) {</a:t>
+            </a:r>
+          </a:p>
+          <a:p>
+            <a:r>
+              <a:rPr lang="en-US" altLang="ko-KR" sz="2000" smtClean="0">
+                <a:latin typeface="나눔고딕코딩" panose="020D0009000000000000" pitchFamily="49" charset="-127"/>
+                <a:ea typeface="나눔고딕코딩" panose="020D0009000000000000" pitchFamily="49" charset="-127"/>
+              </a:rPr>
+              <a:t>        mThreadPoolStarted = true;</a:t>
+            </a:r>
+          </a:p>
+          <a:p>
+            <a:r>
+              <a:rPr lang="en-US" altLang="ko-KR" sz="2000" smtClean="0">
+                <a:latin typeface="나눔고딕코딩" panose="020D0009000000000000" pitchFamily="49" charset="-127"/>
+                <a:ea typeface="나눔고딕코딩" panose="020D0009000000000000" pitchFamily="49" charset="-127"/>
+              </a:rPr>
+              <a:t>        spawnPooledThread(true);</a:t>
+            </a:r>
+          </a:p>
+          <a:p>
+            <a:r>
+              <a:rPr lang="en-US" altLang="ko-KR" sz="2000" smtClean="0">
+                <a:latin typeface="나눔고딕코딩" panose="020D0009000000000000" pitchFamily="49" charset="-127"/>
+                <a:ea typeface="나눔고딕코딩" panose="020D0009000000000000" pitchFamily="49" charset="-127"/>
+              </a:rPr>
+              <a:t>    }</a:t>
+            </a:r>
+          </a:p>
+          <a:p>
+            <a:r>
+              <a:rPr lang="en-US" altLang="ko-KR" sz="2000" smtClean="0">
+                <a:latin typeface="나눔고딕코딩" panose="020D0009000000000000" pitchFamily="49" charset="-127"/>
+                <a:ea typeface="나눔고딕코딩" panose="020D0009000000000000" pitchFamily="49" charset="-127"/>
+              </a:rPr>
+              <a:t>}</a:t>
+            </a:r>
+            <a:endParaRPr lang="ko-KR" altLang="en-US" sz="2000" smtClean="0">
+              <a:latin typeface="나눔고딕코딩" panose="020D0009000000000000" pitchFamily="49" charset="-127"/>
+              <a:ea typeface="나눔고딕코딩" panose="020D0009000000000000" pitchFamily="49" charset="-127"/>
+            </a:endParaRPr>
+          </a:p>
+        </p:txBody>
+      </p:sp>
+      <p:sp>
+        <p:nvSpPr>
+          <p:cNvPr id="3" name="직사각형 2"/>
+          <p:cNvSpPr/>
+          <p:nvPr/>
+        </p:nvSpPr>
+        <p:spPr>
+          <a:xfrm>
+            <a:off x="1568478" y="3560784"/>
+            <a:ext cx="697627" cy="400110"/>
+          </a:xfrm>
+          <a:prstGeom prst="rect">
+            <a:avLst/>
+          </a:prstGeom>
+          <a:solidFill>
+            <a:srgbClr val="FFFF00"/>
+          </a:solidFill>
+          <a:ln>
+            <a:solidFill>
+              <a:schemeClr val="tx1"/>
+            </a:solidFill>
+          </a:ln>
+        </p:spPr>
+        <p:txBody>
+          <a:bodyPr wrap="none" rtlCol="0" anchor="ctr">
+            <a:spAutoFit/>
+          </a:bodyPr>
+          <a:lstStyle/>
+          <a:p>
+            <a:pPr algn="ctr"/>
+            <a:r>
+              <a:rPr lang="en-US" altLang="ko-KR" sz="2000" smtClean="0">
+                <a:latin typeface="나눔고딕코딩" panose="020D0009000000000000" pitchFamily="49" charset="-127"/>
+                <a:ea typeface="나눔고딕코딩" panose="020D0009000000000000" pitchFamily="49" charset="-127"/>
+              </a:rPr>
+              <a:t>true</a:t>
+            </a:r>
+            <a:endParaRPr lang="ko-KR" altLang="en-US" sz="2000" smtClean="0">
+              <a:latin typeface="나눔고딕코딩" panose="020D0009000000000000" pitchFamily="49" charset="-127"/>
+              <a:ea typeface="나눔고딕코딩" panose="020D0009000000000000" pitchFamily="49" charset="-127"/>
+            </a:endParaRPr>
+          </a:p>
+        </p:txBody>
+      </p:sp>
+      <p:sp>
+        <p:nvSpPr>
+          <p:cNvPr id="5" name="TextBox 4"/>
+          <p:cNvSpPr txBox="1"/>
+          <p:nvPr/>
+        </p:nvSpPr>
+        <p:spPr>
+          <a:xfrm>
+            <a:off x="1622322" y="4149213"/>
+            <a:ext cx="45719" cy="400110"/>
+          </a:xfrm>
+          <a:prstGeom prst="rect">
+            <a:avLst/>
+          </a:prstGeom>
+          <a:noFill/>
+        </p:spPr>
+        <p:txBody>
+          <a:bodyPr wrap="square" rtlCol="0">
+            <a:spAutoFit/>
+          </a:bodyPr>
+          <a:lstStyle/>
+          <a:p>
+            <a:endParaRPr lang="ko-KR" altLang="en-US" sz="2000" smtClean="0">
+              <a:latin typeface="나눔고딕코딩" panose="020D0009000000000000" pitchFamily="49" charset="-127"/>
+              <a:ea typeface="나눔고딕코딩" panose="020D0009000000000000" pitchFamily="49" charset="-127"/>
+            </a:endParaRPr>
+          </a:p>
+        </p:txBody>
+      </p:sp>
+      <p:sp>
+        <p:nvSpPr>
+          <p:cNvPr id="6" name="TextBox 5"/>
+          <p:cNvSpPr txBox="1"/>
+          <p:nvPr/>
+        </p:nvSpPr>
+        <p:spPr>
+          <a:xfrm>
+            <a:off x="806245" y="3991897"/>
+            <a:ext cx="2492990" cy="400110"/>
+          </a:xfrm>
+          <a:prstGeom prst="rect">
+            <a:avLst/>
+          </a:prstGeom>
+          <a:noFill/>
+        </p:spPr>
+        <p:txBody>
+          <a:bodyPr wrap="none" rtlCol="0">
+            <a:spAutoFit/>
+          </a:bodyPr>
+          <a:lstStyle/>
+          <a:p>
+            <a:r>
+              <a:rPr lang="en-US" altLang="ko-KR" sz="2000">
+                <a:latin typeface="나눔고딕코딩" panose="020D0009000000000000" pitchFamily="49" charset="-127"/>
+                <a:ea typeface="나눔고딕코딩" panose="020D0009000000000000" pitchFamily="49" charset="-127"/>
+              </a:rPr>
+              <a:t>mThreadPoolStarted</a:t>
+            </a:r>
+            <a:endParaRPr lang="ko-KR" altLang="en-US" sz="2000" smtClean="0">
+              <a:latin typeface="나눔고딕코딩" panose="020D0009000000000000" pitchFamily="49" charset="-127"/>
+              <a:ea typeface="나눔고딕코딩" panose="020D0009000000000000" pitchFamily="49" charset="-127"/>
+            </a:endParaRPr>
+          </a:p>
+        </p:txBody>
+      </p:sp>
+    </p:spTree>
+    <p:extLst>
+      <p:ext uri="{BB962C8B-B14F-4D97-AF65-F5344CB8AC3E}">
+        <p14:creationId xmlns:p14="http://schemas.microsoft.com/office/powerpoint/2010/main" val="2245454546"/>
+      </p:ext>
+    </p:extLst>
+  </p:cSld>
+  <p:clrMapOvr>
+    <a:masterClrMapping/>
+  </p:clrMapOvr>
+</p:sld>
+</file>
+
+<file path=ppt/slides/slide8.xml><?xml version="1.0" encoding="utf-8"?>
+<p:sld xmlns:a="http://schemas.openxmlformats.org/drawingml/2006/main" xmlns:r="http://schemas.openxmlformats.org/officeDocument/2006/relationships" xmlns:p="http://schemas.openxmlformats.org/presentationml/2006/main">
+  <p:cSld>
+    <p:spTree>
+      <p:nvGrpSpPr>
+        <p:cNvPr id="1" name=""/>
+        <p:cNvGrpSpPr/>
+        <p:nvPr/>
+      </p:nvGrpSpPr>
+      <p:grpSpPr>
+        <a:xfrm>
+          <a:off x="0" y="0"/>
+          <a:ext cx="0" cy="0"/>
+          <a:chOff x="0" y="0"/>
+          <a:chExt cx="0" cy="0"/>
+        </a:xfrm>
+      </p:grpSpPr>
+      <p:sp>
+        <p:nvSpPr>
+          <p:cNvPr id="4" name="TextBox 3"/>
+          <p:cNvSpPr txBox="1"/>
+          <p:nvPr/>
+        </p:nvSpPr>
+        <p:spPr>
+          <a:xfrm>
+            <a:off x="147484" y="235974"/>
+            <a:ext cx="8648521" cy="2862322"/>
+          </a:xfrm>
+          <a:prstGeom prst="rect">
+            <a:avLst/>
+          </a:prstGeom>
+          <a:noFill/>
+          <a:ln>
+            <a:solidFill>
+              <a:schemeClr val="tx1"/>
+            </a:solidFill>
+          </a:ln>
+        </p:spPr>
+        <p:txBody>
+          <a:bodyPr wrap="none" rtlCol="0">
+            <a:spAutoFit/>
+          </a:bodyPr>
+          <a:lstStyle/>
+          <a:p>
+            <a:r>
+              <a:rPr lang="en-US" altLang="ko-KR" sz="2000">
+                <a:latin typeface="나눔고딕코딩" panose="020D0009000000000000" pitchFamily="49" charset="-127"/>
+                <a:ea typeface="나눔고딕코딩" panose="020D0009000000000000" pitchFamily="49" charset="-127"/>
+              </a:rPr>
+              <a:t>spawnPooledThread(true);</a:t>
+            </a:r>
+          </a:p>
+          <a:p>
+            <a:r>
+              <a:rPr lang="en-US" altLang="ko-KR" sz="2000">
+                <a:latin typeface="나눔고딕코딩" panose="020D0009000000000000" pitchFamily="49" charset="-127"/>
+                <a:ea typeface="나눔고딕코딩" panose="020D0009000000000000" pitchFamily="49" charset="-127"/>
+              </a:rPr>
+              <a:t>ProcessState::spawnPooledThread(bool </a:t>
+            </a:r>
+            <a:r>
+              <a:rPr lang="en-US" altLang="ko-KR" sz="2000">
+                <a:latin typeface="나눔고딕코딩" panose="020D0009000000000000" pitchFamily="49" charset="-127"/>
+                <a:ea typeface="나눔고딕코딩" panose="020D0009000000000000" pitchFamily="49" charset="-127"/>
+              </a:rPr>
+              <a:t>isMain</a:t>
+            </a:r>
+            <a:r>
+              <a:rPr lang="en-US" altLang="ko-KR" sz="2000" smtClean="0">
+                <a:latin typeface="나눔고딕코딩" panose="020D0009000000000000" pitchFamily="49" charset="-127"/>
+                <a:ea typeface="나눔고딕코딩" panose="020D0009000000000000" pitchFamily="49" charset="-127"/>
+              </a:rPr>
+              <a:t>)</a:t>
+            </a:r>
+          </a:p>
+          <a:p>
+            <a:endParaRPr lang="en-US" altLang="ko-KR" sz="2000" smtClean="0">
+              <a:latin typeface="나눔고딕코딩" panose="020D0009000000000000" pitchFamily="49" charset="-127"/>
+              <a:ea typeface="나눔고딕코딩" panose="020D0009000000000000" pitchFamily="49" charset="-127"/>
+            </a:endParaRPr>
+          </a:p>
+          <a:p>
+            <a:r>
+              <a:rPr lang="en-US" altLang="ko-KR" sz="2000" smtClean="0">
+                <a:latin typeface="나눔고딕코딩" panose="020D0009000000000000" pitchFamily="49" charset="-127"/>
+                <a:ea typeface="나눔고딕코딩" panose="020D0009000000000000" pitchFamily="49" charset="-127"/>
+              </a:rPr>
+              <a:t>if </a:t>
+            </a:r>
+            <a:r>
+              <a:rPr lang="en-US" altLang="ko-KR" sz="2000">
+                <a:latin typeface="나눔고딕코딩" panose="020D0009000000000000" pitchFamily="49" charset="-127"/>
+                <a:ea typeface="나눔고딕코딩" panose="020D0009000000000000" pitchFamily="49" charset="-127"/>
+              </a:rPr>
+              <a:t>(mThreadPoolStarted) {</a:t>
+            </a:r>
+          </a:p>
+          <a:p>
+            <a:r>
+              <a:rPr lang="en-US" altLang="ko-KR" sz="2000">
+                <a:latin typeface="나눔고딕코딩" panose="020D0009000000000000" pitchFamily="49" charset="-127"/>
+                <a:ea typeface="나눔고딕코딩" panose="020D0009000000000000" pitchFamily="49" charset="-127"/>
+              </a:rPr>
+              <a:t>    String8 name = makeBinderThreadName();</a:t>
+            </a:r>
+          </a:p>
+          <a:p>
+            <a:r>
+              <a:rPr lang="en-US" altLang="ko-KR" sz="2000">
+                <a:latin typeface="나눔고딕코딩" panose="020D0009000000000000" pitchFamily="49" charset="-127"/>
+                <a:ea typeface="나눔고딕코딩" panose="020D0009000000000000" pitchFamily="49" charset="-127"/>
+              </a:rPr>
+              <a:t>    ALOGV("Spawning new pooled thread, name=%s\n", name.string());</a:t>
+            </a:r>
+          </a:p>
+          <a:p>
+            <a:r>
+              <a:rPr lang="en-US" altLang="ko-KR" sz="2000">
+                <a:latin typeface="나눔고딕코딩" panose="020D0009000000000000" pitchFamily="49" charset="-127"/>
+                <a:ea typeface="나눔고딕코딩" panose="020D0009000000000000" pitchFamily="49" charset="-127"/>
+              </a:rPr>
+              <a:t>    sp&lt;Thread&gt; t = new PoolThread(isMain);</a:t>
+            </a:r>
+          </a:p>
+          <a:p>
+            <a:r>
+              <a:rPr lang="en-US" altLang="ko-KR" sz="2000">
+                <a:latin typeface="나눔고딕코딩" panose="020D0009000000000000" pitchFamily="49" charset="-127"/>
+                <a:ea typeface="나눔고딕코딩" panose="020D0009000000000000" pitchFamily="49" charset="-127"/>
+              </a:rPr>
+              <a:t>    t-&gt;run(name.string());</a:t>
+            </a:r>
+          </a:p>
+          <a:p>
+            <a:r>
+              <a:rPr lang="en-US" altLang="ko-KR" sz="2000">
+                <a:latin typeface="나눔고딕코딩" panose="020D0009000000000000" pitchFamily="49" charset="-127"/>
+                <a:ea typeface="나눔고딕코딩" panose="020D0009000000000000" pitchFamily="49" charset="-127"/>
+              </a:rPr>
+              <a:t>}</a:t>
+            </a:r>
+            <a:endParaRPr lang="ko-KR" altLang="en-US" sz="2000" smtClean="0">
+              <a:latin typeface="나눔고딕코딩" panose="020D0009000000000000" pitchFamily="49" charset="-127"/>
+              <a:ea typeface="나눔고딕코딩" panose="020D0009000000000000" pitchFamily="49" charset="-127"/>
+            </a:endParaRPr>
+          </a:p>
+        </p:txBody>
+      </p:sp>
+      <p:sp>
+        <p:nvSpPr>
+          <p:cNvPr id="3" name="직사각형 2"/>
+          <p:cNvSpPr/>
+          <p:nvPr/>
+        </p:nvSpPr>
+        <p:spPr>
+          <a:xfrm>
+            <a:off x="10171704" y="449911"/>
+            <a:ext cx="697627" cy="400110"/>
+          </a:xfrm>
+          <a:prstGeom prst="rect">
+            <a:avLst/>
+          </a:prstGeom>
+          <a:solidFill>
+            <a:srgbClr val="FFFF00"/>
+          </a:solidFill>
+          <a:ln>
+            <a:solidFill>
+              <a:schemeClr val="tx1"/>
+            </a:solidFill>
+          </a:ln>
+        </p:spPr>
+        <p:txBody>
+          <a:bodyPr wrap="none" rtlCol="0" anchor="ctr">
+            <a:spAutoFit/>
+          </a:bodyPr>
+          <a:lstStyle/>
+          <a:p>
+            <a:pPr algn="ctr"/>
+            <a:r>
+              <a:rPr lang="en-US" altLang="ko-KR" sz="2000" smtClean="0">
+                <a:latin typeface="나눔고딕코딩" panose="020D0009000000000000" pitchFamily="49" charset="-127"/>
+                <a:ea typeface="나눔고딕코딩" panose="020D0009000000000000" pitchFamily="49" charset="-127"/>
+              </a:rPr>
+              <a:t>true</a:t>
+            </a:r>
+            <a:endParaRPr lang="ko-KR" altLang="en-US" sz="2000" smtClean="0">
+              <a:latin typeface="나눔고딕코딩" panose="020D0009000000000000" pitchFamily="49" charset="-127"/>
+              <a:ea typeface="나눔고딕코딩" panose="020D0009000000000000" pitchFamily="49" charset="-127"/>
+            </a:endParaRPr>
+          </a:p>
+        </p:txBody>
+      </p:sp>
+      <p:sp>
+        <p:nvSpPr>
+          <p:cNvPr id="5" name="TextBox 4"/>
+          <p:cNvSpPr txBox="1"/>
+          <p:nvPr/>
+        </p:nvSpPr>
+        <p:spPr>
+          <a:xfrm>
+            <a:off x="10225548" y="1038340"/>
+            <a:ext cx="45719" cy="400110"/>
+          </a:xfrm>
+          <a:prstGeom prst="rect">
+            <a:avLst/>
+          </a:prstGeom>
+          <a:noFill/>
+        </p:spPr>
+        <p:txBody>
+          <a:bodyPr wrap="square" rtlCol="0">
+            <a:spAutoFit/>
+          </a:bodyPr>
+          <a:lstStyle/>
+          <a:p>
+            <a:endParaRPr lang="ko-KR" altLang="en-US" sz="2000" smtClean="0">
+              <a:latin typeface="나눔고딕코딩" panose="020D0009000000000000" pitchFamily="49" charset="-127"/>
+              <a:ea typeface="나눔고딕코딩" panose="020D0009000000000000" pitchFamily="49" charset="-127"/>
+            </a:endParaRPr>
+          </a:p>
+        </p:txBody>
+      </p:sp>
+      <p:sp>
+        <p:nvSpPr>
+          <p:cNvPr id="6" name="TextBox 5"/>
+          <p:cNvSpPr txBox="1"/>
+          <p:nvPr/>
+        </p:nvSpPr>
+        <p:spPr>
+          <a:xfrm>
+            <a:off x="9409471" y="881024"/>
+            <a:ext cx="2492990" cy="400110"/>
+          </a:xfrm>
+          <a:prstGeom prst="rect">
+            <a:avLst/>
+          </a:prstGeom>
+          <a:noFill/>
+        </p:spPr>
+        <p:txBody>
+          <a:bodyPr wrap="none" rtlCol="0">
+            <a:spAutoFit/>
+          </a:bodyPr>
+          <a:lstStyle/>
+          <a:p>
+            <a:r>
+              <a:rPr lang="en-US" altLang="ko-KR" sz="2000">
+                <a:latin typeface="나눔고딕코딩" panose="020D0009000000000000" pitchFamily="49" charset="-127"/>
+                <a:ea typeface="나눔고딕코딩" panose="020D0009000000000000" pitchFamily="49" charset="-127"/>
+              </a:rPr>
+              <a:t>mThreadPoolStarted</a:t>
+            </a:r>
+            <a:endParaRPr lang="ko-KR" altLang="en-US" sz="2000" smtClean="0">
+              <a:latin typeface="나눔고딕코딩" panose="020D0009000000000000" pitchFamily="49" charset="-127"/>
+              <a:ea typeface="나눔고딕코딩" panose="020D0009000000000000" pitchFamily="49" charset="-127"/>
+            </a:endParaRPr>
+          </a:p>
+        </p:txBody>
+      </p:sp>
+    </p:spTree>
+    <p:extLst>
+      <p:ext uri="{BB962C8B-B14F-4D97-AF65-F5344CB8AC3E}">
+        <p14:creationId xmlns:p14="http://schemas.microsoft.com/office/powerpoint/2010/main" val="1123165566"/>
+      </p:ext>
+    </p:extLst>
+  </p:cSld>
+  <p:clrMapOvr>
+    <a:masterClrMapping/>
+  </p:clrMapOvr>
+</p:sld>
+</file>
+
+<file path=ppt/slides/slide9.xml><?xml version="1.0" encoding="utf-8"?>
+<p:sld xmlns:a="http://schemas.openxmlformats.org/drawingml/2006/main" xmlns:r="http://schemas.openxmlformats.org/officeDocument/2006/relationships" xmlns:p="http://schemas.openxmlformats.org/presentationml/2006/main">
+  <p:cSld>
+    <p:spTree>
+      <p:nvGrpSpPr>
+        <p:cNvPr id="1" name=""/>
+        <p:cNvGrpSpPr/>
+        <p:nvPr/>
+      </p:nvGrpSpPr>
+      <p:grpSpPr>
+        <a:xfrm>
+          <a:off x="0" y="0"/>
+          <a:ext cx="0" cy="0"/>
+          <a:chOff x="0" y="0"/>
+          <a:chExt cx="0" cy="0"/>
+        </a:xfrm>
+      </p:grpSpPr>
+      <p:sp>
+        <p:nvSpPr>
+          <p:cNvPr id="5" name="TextBox 4"/>
+          <p:cNvSpPr txBox="1"/>
+          <p:nvPr/>
+        </p:nvSpPr>
+        <p:spPr>
+          <a:xfrm>
+            <a:off x="235974" y="294968"/>
+            <a:ext cx="7366119" cy="1323439"/>
+          </a:xfrm>
+          <a:prstGeom prst="rect">
+            <a:avLst/>
+          </a:prstGeom>
+          <a:noFill/>
+        </p:spPr>
+        <p:txBody>
+          <a:bodyPr wrap="none" rtlCol="0">
+            <a:spAutoFit/>
+          </a:bodyPr>
+          <a:lstStyle/>
+          <a:p>
+            <a:r>
+              <a:rPr lang="ko-KR" altLang="en-US" sz="2000" smtClean="0">
+                <a:latin typeface="나눔고딕코딩" panose="020D0009000000000000" pitchFamily="49" charset="-127"/>
+                <a:ea typeface="나눔고딕코딩" panose="020D0009000000000000" pitchFamily="49" charset="-127"/>
+              </a:rPr>
+              <a:t>단말기에서 현재 구동되는 스레드의 리스트를 확인하는 방법</a:t>
+            </a:r>
+            <a:endParaRPr lang="en-US" altLang="ko-KR" sz="2000" smtClean="0">
+              <a:latin typeface="나눔고딕코딩" panose="020D0009000000000000" pitchFamily="49" charset="-127"/>
+              <a:ea typeface="나눔고딕코딩" panose="020D0009000000000000" pitchFamily="49" charset="-127"/>
+            </a:endParaRPr>
           </a:p>
           <a:p>
             <a:endParaRPr lang="en-US" altLang="ko-KR" sz="2000">
@@ -5778,38 +7148,17 @@
                 <a:latin typeface="나눔고딕코딩" panose="020D0009000000000000" pitchFamily="49" charset="-127"/>
                 <a:ea typeface="나눔고딕코딩" panose="020D0009000000000000" pitchFamily="49" charset="-127"/>
               </a:rPr>
-              <a:t>    // ...</a:t>
-            </a:r>
-          </a:p>
-          <a:p>
-            <a:r>
-              <a:rPr lang="en-US" altLang="ko-KR" sz="2000" smtClean="0">
-                <a:latin typeface="나눔고딕코딩" panose="020D0009000000000000" pitchFamily="49" charset="-127"/>
-                <a:ea typeface="나눔고딕코딩" panose="020D0009000000000000" pitchFamily="49" charset="-127"/>
-              </a:rPr>
-              <a:t>    } while(strong != 0);</a:t>
-            </a:r>
-          </a:p>
-          <a:p>
-            <a:r>
-              <a:rPr lang="en-US" altLang="ko-KR" sz="2000">
-                <a:latin typeface="나눔고딕코딩" panose="020D0009000000000000" pitchFamily="49" charset="-127"/>
-                <a:ea typeface="나눔고딕코딩" panose="020D0009000000000000" pitchFamily="49" charset="-127"/>
-              </a:rPr>
-              <a:t>}</a:t>
-            </a:r>
-            <a:endParaRPr lang="en-US" altLang="ko-KR" sz="2000" smtClean="0">
-              <a:latin typeface="나눔고딕코딩" panose="020D0009000000000000" pitchFamily="49" charset="-127"/>
-              <a:ea typeface="나눔고딕코딩" panose="020D0009000000000000" pitchFamily="49" charset="-127"/>
-            </a:endParaRPr>
-          </a:p>
-          <a:p>
-            <a:endParaRPr lang="en-US" altLang="ko-KR" sz="2000" smtClean="0">
-              <a:latin typeface="나눔고딕코딩" panose="020D0009000000000000" pitchFamily="49" charset="-127"/>
-              <a:ea typeface="나눔고딕코딩" panose="020D0009000000000000" pitchFamily="49" charset="-127"/>
-            </a:endParaRPr>
-          </a:p>
-          <a:p>
+              <a:t># adb shell</a:t>
+            </a:r>
+          </a:p>
+          <a:p>
+            <a:r>
+              <a:rPr lang="en-US" altLang="ko-KR" sz="2000" smtClean="0">
+                <a:latin typeface="나눔고딕코딩" panose="020D0009000000000000" pitchFamily="49" charset="-127"/>
+                <a:ea typeface="나눔고딕코딩" panose="020D0009000000000000" pitchFamily="49" charset="-127"/>
+              </a:rPr>
+              <a:t># ps -t</a:t>
+            </a:r>
             <a:endParaRPr lang="ko-KR" altLang="en-US" sz="2000" smtClean="0">
               <a:latin typeface="나눔고딕코딩" panose="020D0009000000000000" pitchFamily="49" charset="-127"/>
               <a:ea typeface="나눔고딕코딩" panose="020D0009000000000000" pitchFamily="49" charset="-127"/>
@@ -5820,7 +7169,7 @@
     </p:spTree>
     <p:extLst>
       <p:ext uri="{BB962C8B-B14F-4D97-AF65-F5344CB8AC3E}">
-        <p14:creationId xmlns:p14="http://schemas.microsoft.com/office/powerpoint/2010/main" val="2791584841"/>
+        <p14:creationId xmlns:p14="http://schemas.microsoft.com/office/powerpoint/2010/main" val="2479263656"/>
       </p:ext>
     </p:extLst>
   </p:cSld>
@@ -6083,12 +7432,21 @@
   </a:themeElements>
   <a:objectDefaults>
     <a:spDef>
-      <a:spPr/>
-      <a:bodyPr wrap="none">
+      <a:spPr>
+        <a:solidFill>
+          <a:srgbClr val="FFFF00"/>
+        </a:solidFill>
+        <a:ln>
+          <a:solidFill>
+            <a:schemeClr val="tx1"/>
+          </a:solidFill>
+        </a:ln>
+      </a:spPr>
+      <a:bodyPr wrap="none" rtlCol="0" anchor="ctr">
         <a:spAutoFit/>
       </a:bodyPr>
       <a:lstStyle>
-        <a:defPPr>
+        <a:defPPr algn="ctr">
           <a:defRPr sz="2000" smtClean="0">
             <a:latin typeface="나눔고딕코딩" panose="020D0009000000000000" pitchFamily="49" charset="-127"/>
             <a:ea typeface="나눔고딕코딩" panose="020D0009000000000000" pitchFamily="49" charset="-127"/>
